--- a/user-studies/plots/base-template-treemap.pptx
+++ b/user-studies/plots/base-template-treemap.pptx
@@ -6,13 +6,14 @@
   </p:sldMasterIdLst>
   <p:sldIdLst>
     <p:sldId id="258" r:id="rId2"/>
-    <p:sldId id="256" r:id="rId3"/>
-    <p:sldId id="257" r:id="rId4"/>
-    <p:sldId id="259" r:id="rId5"/>
-    <p:sldId id="260" r:id="rId6"/>
-    <p:sldId id="261" r:id="rId7"/>
-    <p:sldId id="262" r:id="rId8"/>
-    <p:sldId id="263" r:id="rId9"/>
+    <p:sldId id="264" r:id="rId3"/>
+    <p:sldId id="256" r:id="rId4"/>
+    <p:sldId id="257" r:id="rId5"/>
+    <p:sldId id="259" r:id="rId6"/>
+    <p:sldId id="260" r:id="rId7"/>
+    <p:sldId id="261" r:id="rId8"/>
+    <p:sldId id="262" r:id="rId9"/>
+    <p:sldId id="263" r:id="rId10"/>
   </p:sldIdLst>
   <p:sldSz cx="6840538" cy="6840538"/>
   <p:notesSz cx="6858000" cy="9144000"/>
@@ -111,6 +112,11 @@
       </a:defRPr>
     </a:lvl9pPr>
   </p:defaultTextStyle>
+  <p:extLst>
+    <p:ext uri="{EFAFB233-063F-42B5-8137-9DF3F51BA10A}">
+      <p15:sldGuideLst xmlns:p15="http://schemas.microsoft.com/office/powerpoint/2012/main"/>
+    </p:ext>
+  </p:extLst>
 </p:presentation>
 </file>
 
@@ -245,7 +251,7 @@
           <a:p>
             <a:fld id="{AFC13C47-027E-BC40-85E6-9477C003E13A}" type="datetimeFigureOut">
               <a:rPr lang="en-US" smtClean="0"/>
-              <a:t>7/8/24</a:t>
+              <a:t>7/13/24</a:t>
             </a:fld>
             <a:endParaRPr lang="en-US"/>
           </a:p>
@@ -415,7 +421,7 @@
           <a:p>
             <a:fld id="{AFC13C47-027E-BC40-85E6-9477C003E13A}" type="datetimeFigureOut">
               <a:rPr lang="en-US" smtClean="0"/>
-              <a:t>7/8/24</a:t>
+              <a:t>7/13/24</a:t>
             </a:fld>
             <a:endParaRPr lang="en-US"/>
           </a:p>
@@ -595,7 +601,7 @@
           <a:p>
             <a:fld id="{AFC13C47-027E-BC40-85E6-9477C003E13A}" type="datetimeFigureOut">
               <a:rPr lang="en-US" smtClean="0"/>
-              <a:t>7/8/24</a:t>
+              <a:t>7/13/24</a:t>
             </a:fld>
             <a:endParaRPr lang="en-US"/>
           </a:p>
@@ -765,7 +771,7 @@
           <a:p>
             <a:fld id="{AFC13C47-027E-BC40-85E6-9477C003E13A}" type="datetimeFigureOut">
               <a:rPr lang="en-US" smtClean="0"/>
-              <a:t>7/8/24</a:t>
+              <a:t>7/13/24</a:t>
             </a:fld>
             <a:endParaRPr lang="en-US"/>
           </a:p>
@@ -1011,7 +1017,7 @@
           <a:p>
             <a:fld id="{AFC13C47-027E-BC40-85E6-9477C003E13A}" type="datetimeFigureOut">
               <a:rPr lang="en-US" smtClean="0"/>
-              <a:t>7/8/24</a:t>
+              <a:t>7/13/24</a:t>
             </a:fld>
             <a:endParaRPr lang="en-US"/>
           </a:p>
@@ -1243,7 +1249,7 @@
           <a:p>
             <a:fld id="{AFC13C47-027E-BC40-85E6-9477C003E13A}" type="datetimeFigureOut">
               <a:rPr lang="en-US" smtClean="0"/>
-              <a:t>7/8/24</a:t>
+              <a:t>7/13/24</a:t>
             </a:fld>
             <a:endParaRPr lang="en-US"/>
           </a:p>
@@ -1610,7 +1616,7 @@
           <a:p>
             <a:fld id="{AFC13C47-027E-BC40-85E6-9477C003E13A}" type="datetimeFigureOut">
               <a:rPr lang="en-US" smtClean="0"/>
-              <a:t>7/8/24</a:t>
+              <a:t>7/13/24</a:t>
             </a:fld>
             <a:endParaRPr lang="en-US"/>
           </a:p>
@@ -1728,7 +1734,7 @@
           <a:p>
             <a:fld id="{AFC13C47-027E-BC40-85E6-9477C003E13A}" type="datetimeFigureOut">
               <a:rPr lang="en-US" smtClean="0"/>
-              <a:t>7/8/24</a:t>
+              <a:t>7/13/24</a:t>
             </a:fld>
             <a:endParaRPr lang="en-US"/>
           </a:p>
@@ -1823,7 +1829,7 @@
           <a:p>
             <a:fld id="{AFC13C47-027E-BC40-85E6-9477C003E13A}" type="datetimeFigureOut">
               <a:rPr lang="en-US" smtClean="0"/>
-              <a:t>7/8/24</a:t>
+              <a:t>7/13/24</a:t>
             </a:fld>
             <a:endParaRPr lang="en-US"/>
           </a:p>
@@ -2100,7 +2106,7 @@
           <a:p>
             <a:fld id="{AFC13C47-027E-BC40-85E6-9477C003E13A}" type="datetimeFigureOut">
               <a:rPr lang="en-US" smtClean="0"/>
-              <a:t>7/8/24</a:t>
+              <a:t>7/13/24</a:t>
             </a:fld>
             <a:endParaRPr lang="en-US"/>
           </a:p>
@@ -2357,7 +2363,7 @@
           <a:p>
             <a:fld id="{AFC13C47-027E-BC40-85E6-9477C003E13A}" type="datetimeFigureOut">
               <a:rPr lang="en-US" smtClean="0"/>
-              <a:t>7/8/24</a:t>
+              <a:t>7/13/24</a:t>
             </a:fld>
             <a:endParaRPr lang="en-US"/>
           </a:p>
@@ -2570,7 +2576,7 @@
           <a:p>
             <a:fld id="{AFC13C47-027E-BC40-85E6-9477C003E13A}" type="datetimeFigureOut">
               <a:rPr lang="en-US" smtClean="0"/>
-              <a:t>7/8/24</a:t>
+              <a:t>7/13/24</a:t>
             </a:fld>
             <a:endParaRPr lang="en-US"/>
           </a:p>
@@ -3499,20 +3505,20 @@
       </p:sp>
       <p:sp>
         <p:nvSpPr>
-          <p:cNvPr id="14" name="TextBox 13">
-            <a:extLst>
-              <a:ext uri="{FF2B5EF4-FFF2-40B4-BE49-F238E27FC236}">
-                <a16:creationId xmlns:a16="http://schemas.microsoft.com/office/drawing/2014/main" id="{5B480BC6-7EBA-CB95-6365-90A7B5FE2200}"/>
-              </a:ext>
-            </a:extLst>
-          </p:cNvPr>
-          <p:cNvSpPr txBox="1"/>
-          <p:nvPr/>
-        </p:nvSpPr>
-        <p:spPr>
-          <a:xfrm>
-            <a:off x="571018" y="994453"/>
-            <a:ext cx="532435" cy="369332"/>
+          <p:cNvPr id="2" name="Rectangle 1">
+            <a:extLst>
+              <a:ext uri="{FF2B5EF4-FFF2-40B4-BE49-F238E27FC236}">
+                <a16:creationId xmlns:a16="http://schemas.microsoft.com/office/drawing/2014/main" id="{CB726D98-77EC-2A2F-F327-D1A7F98DE687}"/>
+              </a:ext>
+            </a:extLst>
+          </p:cNvPr>
+          <p:cNvSpPr/>
+          <p:nvPr/>
+        </p:nvSpPr>
+        <p:spPr>
+          <a:xfrm>
+            <a:off x="512031" y="881605"/>
+            <a:ext cx="692552" cy="555585"/>
           </a:xfrm>
           <a:prstGeom prst="rect">
             <a:avLst/>
@@ -3526,39 +3532,47 @@
             </a:solidFill>
           </a:ln>
         </p:spPr>
-        <p:txBody>
-          <a:bodyPr wrap="square" rtlCol="0">
-            <a:spAutoFit/>
-          </a:bodyPr>
+        <p:style>
+          <a:lnRef idx="2">
+            <a:schemeClr val="accent1">
+              <a:shade val="15000"/>
+            </a:schemeClr>
+          </a:lnRef>
+          <a:fillRef idx="1">
+            <a:schemeClr val="accent1"/>
+          </a:fillRef>
+          <a:effectRef idx="0">
+            <a:schemeClr val="accent1"/>
+          </a:effectRef>
+          <a:fontRef idx="minor">
+            <a:schemeClr val="lt1"/>
+          </a:fontRef>
+        </p:style>
+        <p:txBody>
+          <a:bodyPr rtlCol="0" anchor="ctr"/>
           <a:lstStyle/>
           <a:p>
             <a:pPr algn="ctr"/>
-            <a:r>
-              <a:rPr lang="en-US" b="1" dirty="0">
-                <a:latin typeface="Arial" panose="020B0604020202020204" pitchFamily="34" charset="0"/>
-                <a:cs typeface="Arial" panose="020B0604020202020204" pitchFamily="34" charset="0"/>
-              </a:rPr>
-              <a:t>B</a:t>
-            </a:r>
-          </a:p>
-        </p:txBody>
-      </p:sp>
-      <p:sp>
-        <p:nvSpPr>
-          <p:cNvPr id="15" name="TextBox 14">
-            <a:extLst>
-              <a:ext uri="{FF2B5EF4-FFF2-40B4-BE49-F238E27FC236}">
-                <a16:creationId xmlns:a16="http://schemas.microsoft.com/office/drawing/2014/main" id="{6545C34F-87D3-CBE0-1806-832021FBE35F}"/>
-              </a:ext>
-            </a:extLst>
-          </p:cNvPr>
-          <p:cNvSpPr txBox="1"/>
-          <p:nvPr/>
-        </p:nvSpPr>
-        <p:spPr>
-          <a:xfrm>
-            <a:off x="6034268" y="5118996"/>
-            <a:ext cx="532435" cy="369332"/>
+            <a:endParaRPr lang="en-US"/>
+          </a:p>
+        </p:txBody>
+      </p:sp>
+      <p:sp>
+        <p:nvSpPr>
+          <p:cNvPr id="3" name="Rectangle 2">
+            <a:extLst>
+              <a:ext uri="{FF2B5EF4-FFF2-40B4-BE49-F238E27FC236}">
+                <a16:creationId xmlns:a16="http://schemas.microsoft.com/office/drawing/2014/main" id="{937650BD-2CCC-085F-7A46-4E454123950A}"/>
+              </a:ext>
+            </a:extLst>
+          </p:cNvPr>
+          <p:cNvSpPr/>
+          <p:nvPr/>
+        </p:nvSpPr>
+        <p:spPr>
+          <a:xfrm>
+            <a:off x="5965785" y="4979043"/>
+            <a:ext cx="692552" cy="555585"/>
           </a:xfrm>
           <a:prstGeom prst="rect">
             <a:avLst/>
@@ -3572,27 +3586,35 @@
             </a:solidFill>
           </a:ln>
         </p:spPr>
-        <p:txBody>
-          <a:bodyPr wrap="square" rtlCol="0">
-            <a:spAutoFit/>
-          </a:bodyPr>
+        <p:style>
+          <a:lnRef idx="2">
+            <a:schemeClr val="accent1">
+              <a:shade val="15000"/>
+            </a:schemeClr>
+          </a:lnRef>
+          <a:fillRef idx="1">
+            <a:schemeClr val="accent1"/>
+          </a:fillRef>
+          <a:effectRef idx="0">
+            <a:schemeClr val="accent1"/>
+          </a:effectRef>
+          <a:fontRef idx="minor">
+            <a:schemeClr val="lt1"/>
+          </a:fontRef>
+        </p:style>
+        <p:txBody>
+          <a:bodyPr rtlCol="0" anchor="ctr"/>
           <a:lstStyle/>
           <a:p>
             <a:pPr algn="ctr"/>
-            <a:r>
-              <a:rPr lang="en-US" b="1" dirty="0">
-                <a:latin typeface="Arial" panose="020B0604020202020204" pitchFamily="34" charset="0"/>
-                <a:cs typeface="Arial" panose="020B0604020202020204" pitchFamily="34" charset="0"/>
-              </a:rPr>
-              <a:t>A</a:t>
-            </a:r>
+            <a:endParaRPr lang="en-US"/>
           </a:p>
         </p:txBody>
       </p:sp>
     </p:spTree>
     <p:extLst>
       <p:ext uri="{BB962C8B-B14F-4D97-AF65-F5344CB8AC3E}">
-        <p14:creationId xmlns:p14="http://schemas.microsoft.com/office/powerpoint/2010/main" val="3277696087"/>
+        <p14:creationId xmlns:p14="http://schemas.microsoft.com/office/powerpoint/2010/main" val="237563845"/>
       </p:ext>
     </p:extLst>
   </p:cSld>
@@ -3771,7 +3793,7 @@
         </p:nvSpPr>
         <p:spPr>
           <a:xfrm>
-            <a:off x="434051" y="832848"/>
+            <a:off x="2139288" y="881605"/>
             <a:ext cx="692552" cy="555585"/>
           </a:xfrm>
           <a:prstGeom prst="rect">
@@ -4041,7 +4063,7 @@
         </p:nvSpPr>
         <p:spPr>
           <a:xfrm>
-            <a:off x="2174011" y="995422"/>
+            <a:off x="571018" y="994453"/>
             <a:ext cx="532435" cy="369332"/>
           </a:xfrm>
           <a:prstGeom prst="rect">
@@ -4068,7 +4090,7 @@
                 <a:latin typeface="Arial" panose="020B0604020202020204" pitchFamily="34" charset="0"/>
                 <a:cs typeface="Arial" panose="020B0604020202020204" pitchFamily="34" charset="0"/>
               </a:rPr>
-              <a:t>A</a:t>
+              <a:t>B</a:t>
             </a:r>
           </a:p>
         </p:txBody>
@@ -4114,7 +4136,7 @@
                 <a:latin typeface="Arial" panose="020B0604020202020204" pitchFamily="34" charset="0"/>
                 <a:cs typeface="Arial" panose="020B0604020202020204" pitchFamily="34" charset="0"/>
               </a:rPr>
-              <a:t>B</a:t>
+              <a:t>A</a:t>
             </a:r>
           </a:p>
         </p:txBody>
@@ -4122,7 +4144,7 @@
     </p:spTree>
     <p:extLst>
       <p:ext uri="{BB962C8B-B14F-4D97-AF65-F5344CB8AC3E}">
-        <p14:creationId xmlns:p14="http://schemas.microsoft.com/office/powerpoint/2010/main" val="2058165952"/>
+        <p14:creationId xmlns:p14="http://schemas.microsoft.com/office/powerpoint/2010/main" val="3277696087"/>
       </p:ext>
     </p:extLst>
   </p:cSld>
@@ -4247,7 +4269,7 @@
         </p:nvSpPr>
         <p:spPr>
           <a:xfrm>
-            <a:off x="6032339" y="4979042"/>
+            <a:off x="4701251" y="717630"/>
             <a:ext cx="692552" cy="555585"/>
           </a:xfrm>
           <a:prstGeom prst="rect">
@@ -4517,7 +4539,7 @@
         </p:nvSpPr>
         <p:spPr>
           <a:xfrm>
-            <a:off x="2061159" y="985776"/>
+            <a:off x="3719332" y="4979043"/>
             <a:ext cx="692552" cy="555585"/>
           </a:xfrm>
           <a:prstGeom prst="rect">
@@ -4571,7 +4593,7 @@
         </p:nvSpPr>
         <p:spPr>
           <a:xfrm>
-            <a:off x="3914173" y="5106894"/>
+            <a:off x="2174011" y="995422"/>
             <a:ext cx="532435" cy="369332"/>
           </a:xfrm>
           <a:prstGeom prst="rect">
@@ -4617,7 +4639,7 @@
         </p:nvSpPr>
         <p:spPr>
           <a:xfrm>
-            <a:off x="4782276" y="755341"/>
+            <a:off x="6034268" y="5118996"/>
             <a:ext cx="532435" cy="369332"/>
           </a:xfrm>
           <a:prstGeom prst="rect">
@@ -4652,7 +4674,7 @@
     </p:spTree>
     <p:extLst>
       <p:ext uri="{BB962C8B-B14F-4D97-AF65-F5344CB8AC3E}">
-        <p14:creationId xmlns:p14="http://schemas.microsoft.com/office/powerpoint/2010/main" val="2478267594"/>
+        <p14:creationId xmlns:p14="http://schemas.microsoft.com/office/powerpoint/2010/main" val="2058165952"/>
       </p:ext>
     </p:extLst>
   </p:cSld>
@@ -4765,10 +4787,10 @@
       </p:sp>
       <p:sp>
         <p:nvSpPr>
-          <p:cNvPr id="8" name="Rectangle 7">
-            <a:extLst>
-              <a:ext uri="{FF2B5EF4-FFF2-40B4-BE49-F238E27FC236}">
-                <a16:creationId xmlns:a16="http://schemas.microsoft.com/office/drawing/2014/main" id="{8D0A0043-3B6A-F732-9F28-ACAC37DDC7A4}"/>
+          <p:cNvPr id="7" name="Rectangle 6">
+            <a:extLst>
+              <a:ext uri="{FF2B5EF4-FFF2-40B4-BE49-F238E27FC236}">
+                <a16:creationId xmlns:a16="http://schemas.microsoft.com/office/drawing/2014/main" id="{DCDAEADE-54AE-77BB-26B7-66465C545DBC}"/>
               </a:ext>
             </a:extLst>
           </p:cNvPr>
@@ -4777,7 +4799,7 @@
         </p:nvSpPr>
         <p:spPr>
           <a:xfrm>
-            <a:off x="434051" y="846880"/>
+            <a:off x="6032339" y="4979042"/>
             <a:ext cx="692552" cy="555585"/>
           </a:xfrm>
           <a:prstGeom prst="rect">
@@ -4819,10 +4841,10 @@
       </p:sp>
       <p:sp>
         <p:nvSpPr>
-          <p:cNvPr id="9" name="Rectangle 8">
-            <a:extLst>
-              <a:ext uri="{FF2B5EF4-FFF2-40B4-BE49-F238E27FC236}">
-                <a16:creationId xmlns:a16="http://schemas.microsoft.com/office/drawing/2014/main" id="{DEF82022-398C-433F-7698-0E38DE53958E}"/>
+          <p:cNvPr id="8" name="Rectangle 7">
+            <a:extLst>
+              <a:ext uri="{FF2B5EF4-FFF2-40B4-BE49-F238E27FC236}">
+                <a16:creationId xmlns:a16="http://schemas.microsoft.com/office/drawing/2014/main" id="{8D0A0043-3B6A-F732-9F28-ACAC37DDC7A4}"/>
               </a:ext>
             </a:extLst>
           </p:cNvPr>
@@ -4831,7 +4853,7 @@
         </p:nvSpPr>
         <p:spPr>
           <a:xfrm>
-            <a:off x="4701251" y="2467337"/>
+            <a:off x="434051" y="832848"/>
             <a:ext cx="692552" cy="555585"/>
           </a:xfrm>
           <a:prstGeom prst="rect">
@@ -4873,10 +4895,10 @@
       </p:sp>
       <p:sp>
         <p:nvSpPr>
-          <p:cNvPr id="10" name="Rectangle 9">
-            <a:extLst>
-              <a:ext uri="{FF2B5EF4-FFF2-40B4-BE49-F238E27FC236}">
-                <a16:creationId xmlns:a16="http://schemas.microsoft.com/office/drawing/2014/main" id="{8A57A255-F012-8C09-E0CC-7B34A00F603B}"/>
+          <p:cNvPr id="9" name="Rectangle 8">
+            <a:extLst>
+              <a:ext uri="{FF2B5EF4-FFF2-40B4-BE49-F238E27FC236}">
+                <a16:creationId xmlns:a16="http://schemas.microsoft.com/office/drawing/2014/main" id="{DEF82022-398C-433F-7698-0E38DE53958E}"/>
               </a:ext>
             </a:extLst>
           </p:cNvPr>
@@ -4885,7 +4907,7 @@
         </p:nvSpPr>
         <p:spPr>
           <a:xfrm>
-            <a:off x="3774211" y="4979042"/>
+            <a:off x="4701251" y="2467337"/>
             <a:ext cx="692552" cy="555585"/>
           </a:xfrm>
           <a:prstGeom prst="rect">
@@ -4927,10 +4949,10 @@
       </p:sp>
       <p:sp>
         <p:nvSpPr>
-          <p:cNvPr id="11" name="Rectangle 10">
-            <a:extLst>
-              <a:ext uri="{FF2B5EF4-FFF2-40B4-BE49-F238E27FC236}">
-                <a16:creationId xmlns:a16="http://schemas.microsoft.com/office/drawing/2014/main" id="{36A86E66-FA2C-00ED-9FEF-4D445C5BF280}"/>
+          <p:cNvPr id="10" name="Rectangle 9">
+            <a:extLst>
+              <a:ext uri="{FF2B5EF4-FFF2-40B4-BE49-F238E27FC236}">
+                <a16:creationId xmlns:a16="http://schemas.microsoft.com/office/drawing/2014/main" id="{8A57A255-F012-8C09-E0CC-7B34A00F603B}"/>
               </a:ext>
             </a:extLst>
           </p:cNvPr>
@@ -4939,7 +4961,7 @@
         </p:nvSpPr>
         <p:spPr>
           <a:xfrm>
-            <a:off x="1126603" y="4979043"/>
+            <a:off x="1366677" y="2606233"/>
             <a:ext cx="692552" cy="555585"/>
           </a:xfrm>
           <a:prstGeom prst="rect">
@@ -4981,10 +5003,10 @@
       </p:sp>
       <p:sp>
         <p:nvSpPr>
-          <p:cNvPr id="12" name="Rectangle 11">
-            <a:extLst>
-              <a:ext uri="{FF2B5EF4-FFF2-40B4-BE49-F238E27FC236}">
-                <a16:creationId xmlns:a16="http://schemas.microsoft.com/office/drawing/2014/main" id="{296D9CF4-23AB-4B93-EC96-2156B091E49E}"/>
+          <p:cNvPr id="11" name="Rectangle 10">
+            <a:extLst>
+              <a:ext uri="{FF2B5EF4-FFF2-40B4-BE49-F238E27FC236}">
+                <a16:creationId xmlns:a16="http://schemas.microsoft.com/office/drawing/2014/main" id="{36A86E66-FA2C-00ED-9FEF-4D445C5BF280}"/>
               </a:ext>
             </a:extLst>
           </p:cNvPr>
@@ -4993,7 +5015,7 @@
         </p:nvSpPr>
         <p:spPr>
           <a:xfrm>
-            <a:off x="2061159" y="985776"/>
+            <a:off x="1126603" y="4979043"/>
             <a:ext cx="692552" cy="555585"/>
           </a:xfrm>
           <a:prstGeom prst="rect">
@@ -5035,102 +5057,10 @@
       </p:sp>
       <p:sp>
         <p:nvSpPr>
-          <p:cNvPr id="14" name="TextBox 13">
-            <a:extLst>
-              <a:ext uri="{FF2B5EF4-FFF2-40B4-BE49-F238E27FC236}">
-                <a16:creationId xmlns:a16="http://schemas.microsoft.com/office/drawing/2014/main" id="{5B480BC6-7EBA-CB95-6365-90A7B5FE2200}"/>
-              </a:ext>
-            </a:extLst>
-          </p:cNvPr>
-          <p:cNvSpPr txBox="1"/>
-          <p:nvPr/>
-        </p:nvSpPr>
-        <p:spPr>
-          <a:xfrm>
-            <a:off x="6032340" y="5095319"/>
-            <a:ext cx="532435" cy="369332"/>
-          </a:xfrm>
-          <a:prstGeom prst="rect">
-            <a:avLst/>
-          </a:prstGeom>
-          <a:solidFill>
-            <a:schemeClr val="bg1"/>
-          </a:solidFill>
-          <a:ln>
-            <a:solidFill>
-              <a:schemeClr val="bg1"/>
-            </a:solidFill>
-          </a:ln>
-        </p:spPr>
-        <p:txBody>
-          <a:bodyPr wrap="square" rtlCol="0">
-            <a:spAutoFit/>
-          </a:bodyPr>
-          <a:lstStyle/>
-          <a:p>
-            <a:pPr algn="ctr"/>
-            <a:r>
-              <a:rPr lang="en-US" b="1" dirty="0">
-                <a:latin typeface="Arial" panose="020B0604020202020204" pitchFamily="34" charset="0"/>
-                <a:cs typeface="Arial" panose="020B0604020202020204" pitchFamily="34" charset="0"/>
-              </a:rPr>
-              <a:t>A</a:t>
-            </a:r>
-          </a:p>
-        </p:txBody>
-      </p:sp>
-      <p:sp>
-        <p:nvSpPr>
-          <p:cNvPr id="15" name="TextBox 14">
-            <a:extLst>
-              <a:ext uri="{FF2B5EF4-FFF2-40B4-BE49-F238E27FC236}">
-                <a16:creationId xmlns:a16="http://schemas.microsoft.com/office/drawing/2014/main" id="{6545C34F-87D3-CBE0-1806-832021FBE35F}"/>
-              </a:ext>
-            </a:extLst>
-          </p:cNvPr>
-          <p:cNvSpPr txBox="1"/>
-          <p:nvPr/>
-        </p:nvSpPr>
-        <p:spPr>
-          <a:xfrm>
-            <a:off x="1423585" y="2872981"/>
-            <a:ext cx="532435" cy="369332"/>
-          </a:xfrm>
-          <a:prstGeom prst="rect">
-            <a:avLst/>
-          </a:prstGeom>
-          <a:solidFill>
-            <a:schemeClr val="bg1"/>
-          </a:solidFill>
-          <a:ln>
-            <a:solidFill>
-              <a:schemeClr val="bg1"/>
-            </a:solidFill>
-          </a:ln>
-        </p:spPr>
-        <p:txBody>
-          <a:bodyPr wrap="square" rtlCol="0">
-            <a:spAutoFit/>
-          </a:bodyPr>
-          <a:lstStyle/>
-          <a:p>
-            <a:pPr algn="ctr"/>
-            <a:r>
-              <a:rPr lang="en-US" b="1" dirty="0">
-                <a:latin typeface="Arial" panose="020B0604020202020204" pitchFamily="34" charset="0"/>
-                <a:cs typeface="Arial" panose="020B0604020202020204" pitchFamily="34" charset="0"/>
-              </a:rPr>
-              <a:t>B</a:t>
-            </a:r>
-          </a:p>
-        </p:txBody>
-      </p:sp>
-      <p:sp>
-        <p:nvSpPr>
-          <p:cNvPr id="2" name="Rectangle 1">
-            <a:extLst>
-              <a:ext uri="{FF2B5EF4-FFF2-40B4-BE49-F238E27FC236}">
-                <a16:creationId xmlns:a16="http://schemas.microsoft.com/office/drawing/2014/main" id="{5A3B41D5-95D0-2DD8-B58B-0BE0F2AF369A}"/>
+          <p:cNvPr id="12" name="Rectangle 11">
+            <a:extLst>
+              <a:ext uri="{FF2B5EF4-FFF2-40B4-BE49-F238E27FC236}">
+                <a16:creationId xmlns:a16="http://schemas.microsoft.com/office/drawing/2014/main" id="{296D9CF4-23AB-4B93-EC96-2156B091E49E}"/>
               </a:ext>
             </a:extLst>
           </p:cNvPr>
@@ -5139,7 +5069,7 @@
         </p:nvSpPr>
         <p:spPr>
           <a:xfrm>
-            <a:off x="4655917" y="501569"/>
+            <a:off x="2061159" y="985776"/>
             <a:ext cx="692552" cy="555585"/>
           </a:xfrm>
           <a:prstGeom prst="rect">
@@ -5179,10 +5109,102 @@
           </a:p>
         </p:txBody>
       </p:sp>
+      <p:sp>
+        <p:nvSpPr>
+          <p:cNvPr id="14" name="TextBox 13">
+            <a:extLst>
+              <a:ext uri="{FF2B5EF4-FFF2-40B4-BE49-F238E27FC236}">
+                <a16:creationId xmlns:a16="http://schemas.microsoft.com/office/drawing/2014/main" id="{5B480BC6-7EBA-CB95-6365-90A7B5FE2200}"/>
+              </a:ext>
+            </a:extLst>
+          </p:cNvPr>
+          <p:cNvSpPr txBox="1"/>
+          <p:nvPr/>
+        </p:nvSpPr>
+        <p:spPr>
+          <a:xfrm>
+            <a:off x="3914173" y="5106894"/>
+            <a:ext cx="532435" cy="369332"/>
+          </a:xfrm>
+          <a:prstGeom prst="rect">
+            <a:avLst/>
+          </a:prstGeom>
+          <a:solidFill>
+            <a:schemeClr val="bg1"/>
+          </a:solidFill>
+          <a:ln>
+            <a:solidFill>
+              <a:schemeClr val="bg1"/>
+            </a:solidFill>
+          </a:ln>
+        </p:spPr>
+        <p:txBody>
+          <a:bodyPr wrap="square" rtlCol="0">
+            <a:spAutoFit/>
+          </a:bodyPr>
+          <a:lstStyle/>
+          <a:p>
+            <a:pPr algn="ctr"/>
+            <a:r>
+              <a:rPr lang="en-US" b="1" dirty="0">
+                <a:latin typeface="Arial" panose="020B0604020202020204" pitchFamily="34" charset="0"/>
+                <a:cs typeface="Arial" panose="020B0604020202020204" pitchFamily="34" charset="0"/>
+              </a:rPr>
+              <a:t>A</a:t>
+            </a:r>
+          </a:p>
+        </p:txBody>
+      </p:sp>
+      <p:sp>
+        <p:nvSpPr>
+          <p:cNvPr id="15" name="TextBox 14">
+            <a:extLst>
+              <a:ext uri="{FF2B5EF4-FFF2-40B4-BE49-F238E27FC236}">
+                <a16:creationId xmlns:a16="http://schemas.microsoft.com/office/drawing/2014/main" id="{6545C34F-87D3-CBE0-1806-832021FBE35F}"/>
+              </a:ext>
+            </a:extLst>
+          </p:cNvPr>
+          <p:cNvSpPr txBox="1"/>
+          <p:nvPr/>
+        </p:nvSpPr>
+        <p:spPr>
+          <a:xfrm>
+            <a:off x="4782276" y="755341"/>
+            <a:ext cx="532435" cy="369332"/>
+          </a:xfrm>
+          <a:prstGeom prst="rect">
+            <a:avLst/>
+          </a:prstGeom>
+          <a:solidFill>
+            <a:schemeClr val="bg1"/>
+          </a:solidFill>
+          <a:ln>
+            <a:solidFill>
+              <a:schemeClr val="bg1"/>
+            </a:solidFill>
+          </a:ln>
+        </p:spPr>
+        <p:txBody>
+          <a:bodyPr wrap="square" rtlCol="0">
+            <a:spAutoFit/>
+          </a:bodyPr>
+          <a:lstStyle/>
+          <a:p>
+            <a:pPr algn="ctr"/>
+            <a:r>
+              <a:rPr lang="en-US" b="1" dirty="0">
+                <a:latin typeface="Arial" panose="020B0604020202020204" pitchFamily="34" charset="0"/>
+                <a:cs typeface="Arial" panose="020B0604020202020204" pitchFamily="34" charset="0"/>
+              </a:rPr>
+              <a:t>B</a:t>
+            </a:r>
+          </a:p>
+        </p:txBody>
+      </p:sp>
     </p:spTree>
     <p:extLst>
       <p:ext uri="{BB962C8B-B14F-4D97-AF65-F5344CB8AC3E}">
-        <p14:creationId xmlns:p14="http://schemas.microsoft.com/office/powerpoint/2010/main" val="2467797143"/>
+        <p14:creationId xmlns:p14="http://schemas.microsoft.com/office/powerpoint/2010/main" val="2478267594"/>
       </p:ext>
     </p:extLst>
   </p:cSld>
@@ -5214,7 +5236,7 @@
           <p:cNvPr id="5" name="Picture 4" descr="A screenshot of a photo album&#10;&#10;Description automatically generated">
             <a:extLst>
               <a:ext uri="{FF2B5EF4-FFF2-40B4-BE49-F238E27FC236}">
-                <a16:creationId xmlns:a16="http://schemas.microsoft.com/office/drawing/2014/main" id="{05037DBF-364F-38DF-5CE2-1B8D6DA250EF}"/>
+                <a16:creationId xmlns:a16="http://schemas.microsoft.com/office/drawing/2014/main" id="{859D9890-E1CA-A091-5C9D-76B0E51364DE}"/>
               </a:ext>
             </a:extLst>
           </p:cNvPr>
@@ -5231,8 +5253,8 @@
         </p:blipFill>
         <p:spPr>
           <a:xfrm>
-            <a:off x="8918" y="0"/>
-            <a:ext cx="6822701" cy="6840538"/>
+            <a:off x="0" y="0"/>
+            <a:ext cx="6840538" cy="6849456"/>
           </a:xfrm>
           <a:prstGeom prst="rect">
             <a:avLst/>
@@ -5244,7 +5266,7 @@
           <p:cNvPr id="6" name="Rectangle 5">
             <a:extLst>
               <a:ext uri="{FF2B5EF4-FFF2-40B4-BE49-F238E27FC236}">
-                <a16:creationId xmlns:a16="http://schemas.microsoft.com/office/drawing/2014/main" id="{917A456D-BAF1-79AB-7E48-DF5A894F78D1}"/>
+                <a16:creationId xmlns:a16="http://schemas.microsoft.com/office/drawing/2014/main" id="{A616E7CF-9EF0-EFE8-6192-5DA0436CB259}"/>
               </a:ext>
             </a:extLst>
           </p:cNvPr>
@@ -5253,8 +5275,8 @@
         </p:nvSpPr>
         <p:spPr>
           <a:xfrm>
-            <a:off x="6010155" y="142754"/>
-            <a:ext cx="692552" cy="555585"/>
+            <a:off x="6192456" y="92597"/>
+            <a:ext cx="532435" cy="555585"/>
           </a:xfrm>
           <a:prstGeom prst="rect">
             <a:avLst/>
@@ -5293,10 +5315,426 @@
           </a:p>
         </p:txBody>
       </p:sp>
+      <p:sp>
+        <p:nvSpPr>
+          <p:cNvPr id="8" name="Rectangle 7">
+            <a:extLst>
+              <a:ext uri="{FF2B5EF4-FFF2-40B4-BE49-F238E27FC236}">
+                <a16:creationId xmlns:a16="http://schemas.microsoft.com/office/drawing/2014/main" id="{8D0A0043-3B6A-F732-9F28-ACAC37DDC7A4}"/>
+              </a:ext>
+            </a:extLst>
+          </p:cNvPr>
+          <p:cNvSpPr/>
+          <p:nvPr/>
+        </p:nvSpPr>
+        <p:spPr>
+          <a:xfrm>
+            <a:off x="434051" y="846880"/>
+            <a:ext cx="692552" cy="555585"/>
+          </a:xfrm>
+          <a:prstGeom prst="rect">
+            <a:avLst/>
+          </a:prstGeom>
+          <a:solidFill>
+            <a:schemeClr val="bg1"/>
+          </a:solidFill>
+          <a:ln>
+            <a:solidFill>
+              <a:schemeClr val="bg1"/>
+            </a:solidFill>
+          </a:ln>
+        </p:spPr>
+        <p:style>
+          <a:lnRef idx="2">
+            <a:schemeClr val="accent1">
+              <a:shade val="15000"/>
+            </a:schemeClr>
+          </a:lnRef>
+          <a:fillRef idx="1">
+            <a:schemeClr val="accent1"/>
+          </a:fillRef>
+          <a:effectRef idx="0">
+            <a:schemeClr val="accent1"/>
+          </a:effectRef>
+          <a:fontRef idx="minor">
+            <a:schemeClr val="lt1"/>
+          </a:fontRef>
+        </p:style>
+        <p:txBody>
+          <a:bodyPr rtlCol="0" anchor="ctr"/>
+          <a:lstStyle/>
+          <a:p>
+            <a:pPr algn="ctr"/>
+            <a:endParaRPr lang="en-US"/>
+          </a:p>
+        </p:txBody>
+      </p:sp>
+      <p:sp>
+        <p:nvSpPr>
+          <p:cNvPr id="9" name="Rectangle 8">
+            <a:extLst>
+              <a:ext uri="{FF2B5EF4-FFF2-40B4-BE49-F238E27FC236}">
+                <a16:creationId xmlns:a16="http://schemas.microsoft.com/office/drawing/2014/main" id="{DEF82022-398C-433F-7698-0E38DE53958E}"/>
+              </a:ext>
+            </a:extLst>
+          </p:cNvPr>
+          <p:cNvSpPr/>
+          <p:nvPr/>
+        </p:nvSpPr>
+        <p:spPr>
+          <a:xfrm>
+            <a:off x="4701251" y="2467337"/>
+            <a:ext cx="692552" cy="555585"/>
+          </a:xfrm>
+          <a:prstGeom prst="rect">
+            <a:avLst/>
+          </a:prstGeom>
+          <a:solidFill>
+            <a:schemeClr val="bg1"/>
+          </a:solidFill>
+          <a:ln>
+            <a:solidFill>
+              <a:schemeClr val="bg1"/>
+            </a:solidFill>
+          </a:ln>
+        </p:spPr>
+        <p:style>
+          <a:lnRef idx="2">
+            <a:schemeClr val="accent1">
+              <a:shade val="15000"/>
+            </a:schemeClr>
+          </a:lnRef>
+          <a:fillRef idx="1">
+            <a:schemeClr val="accent1"/>
+          </a:fillRef>
+          <a:effectRef idx="0">
+            <a:schemeClr val="accent1"/>
+          </a:effectRef>
+          <a:fontRef idx="minor">
+            <a:schemeClr val="lt1"/>
+          </a:fontRef>
+        </p:style>
+        <p:txBody>
+          <a:bodyPr rtlCol="0" anchor="ctr"/>
+          <a:lstStyle/>
+          <a:p>
+            <a:pPr algn="ctr"/>
+            <a:endParaRPr lang="en-US"/>
+          </a:p>
+        </p:txBody>
+      </p:sp>
+      <p:sp>
+        <p:nvSpPr>
+          <p:cNvPr id="10" name="Rectangle 9">
+            <a:extLst>
+              <a:ext uri="{FF2B5EF4-FFF2-40B4-BE49-F238E27FC236}">
+                <a16:creationId xmlns:a16="http://schemas.microsoft.com/office/drawing/2014/main" id="{8A57A255-F012-8C09-E0CC-7B34A00F603B}"/>
+              </a:ext>
+            </a:extLst>
+          </p:cNvPr>
+          <p:cNvSpPr/>
+          <p:nvPr/>
+        </p:nvSpPr>
+        <p:spPr>
+          <a:xfrm>
+            <a:off x="3774211" y="4979042"/>
+            <a:ext cx="692552" cy="555585"/>
+          </a:xfrm>
+          <a:prstGeom prst="rect">
+            <a:avLst/>
+          </a:prstGeom>
+          <a:solidFill>
+            <a:schemeClr val="bg1"/>
+          </a:solidFill>
+          <a:ln>
+            <a:solidFill>
+              <a:schemeClr val="bg1"/>
+            </a:solidFill>
+          </a:ln>
+        </p:spPr>
+        <p:style>
+          <a:lnRef idx="2">
+            <a:schemeClr val="accent1">
+              <a:shade val="15000"/>
+            </a:schemeClr>
+          </a:lnRef>
+          <a:fillRef idx="1">
+            <a:schemeClr val="accent1"/>
+          </a:fillRef>
+          <a:effectRef idx="0">
+            <a:schemeClr val="accent1"/>
+          </a:effectRef>
+          <a:fontRef idx="minor">
+            <a:schemeClr val="lt1"/>
+          </a:fontRef>
+        </p:style>
+        <p:txBody>
+          <a:bodyPr rtlCol="0" anchor="ctr"/>
+          <a:lstStyle/>
+          <a:p>
+            <a:pPr algn="ctr"/>
+            <a:endParaRPr lang="en-US"/>
+          </a:p>
+        </p:txBody>
+      </p:sp>
+      <p:sp>
+        <p:nvSpPr>
+          <p:cNvPr id="11" name="Rectangle 10">
+            <a:extLst>
+              <a:ext uri="{FF2B5EF4-FFF2-40B4-BE49-F238E27FC236}">
+                <a16:creationId xmlns:a16="http://schemas.microsoft.com/office/drawing/2014/main" id="{36A86E66-FA2C-00ED-9FEF-4D445C5BF280}"/>
+              </a:ext>
+            </a:extLst>
+          </p:cNvPr>
+          <p:cNvSpPr/>
+          <p:nvPr/>
+        </p:nvSpPr>
+        <p:spPr>
+          <a:xfrm>
+            <a:off x="1126603" y="4979043"/>
+            <a:ext cx="692552" cy="555585"/>
+          </a:xfrm>
+          <a:prstGeom prst="rect">
+            <a:avLst/>
+          </a:prstGeom>
+          <a:solidFill>
+            <a:schemeClr val="bg1"/>
+          </a:solidFill>
+          <a:ln>
+            <a:solidFill>
+              <a:schemeClr val="bg1"/>
+            </a:solidFill>
+          </a:ln>
+        </p:spPr>
+        <p:style>
+          <a:lnRef idx="2">
+            <a:schemeClr val="accent1">
+              <a:shade val="15000"/>
+            </a:schemeClr>
+          </a:lnRef>
+          <a:fillRef idx="1">
+            <a:schemeClr val="accent1"/>
+          </a:fillRef>
+          <a:effectRef idx="0">
+            <a:schemeClr val="accent1"/>
+          </a:effectRef>
+          <a:fontRef idx="minor">
+            <a:schemeClr val="lt1"/>
+          </a:fontRef>
+        </p:style>
+        <p:txBody>
+          <a:bodyPr rtlCol="0" anchor="ctr"/>
+          <a:lstStyle/>
+          <a:p>
+            <a:pPr algn="ctr"/>
+            <a:endParaRPr lang="en-US"/>
+          </a:p>
+        </p:txBody>
+      </p:sp>
+      <p:sp>
+        <p:nvSpPr>
+          <p:cNvPr id="12" name="Rectangle 11">
+            <a:extLst>
+              <a:ext uri="{FF2B5EF4-FFF2-40B4-BE49-F238E27FC236}">
+                <a16:creationId xmlns:a16="http://schemas.microsoft.com/office/drawing/2014/main" id="{296D9CF4-23AB-4B93-EC96-2156B091E49E}"/>
+              </a:ext>
+            </a:extLst>
+          </p:cNvPr>
+          <p:cNvSpPr/>
+          <p:nvPr/>
+        </p:nvSpPr>
+        <p:spPr>
+          <a:xfrm>
+            <a:off x="2061159" y="985776"/>
+            <a:ext cx="692552" cy="555585"/>
+          </a:xfrm>
+          <a:prstGeom prst="rect">
+            <a:avLst/>
+          </a:prstGeom>
+          <a:solidFill>
+            <a:schemeClr val="bg1"/>
+          </a:solidFill>
+          <a:ln>
+            <a:solidFill>
+              <a:schemeClr val="bg1"/>
+            </a:solidFill>
+          </a:ln>
+        </p:spPr>
+        <p:style>
+          <a:lnRef idx="2">
+            <a:schemeClr val="accent1">
+              <a:shade val="15000"/>
+            </a:schemeClr>
+          </a:lnRef>
+          <a:fillRef idx="1">
+            <a:schemeClr val="accent1"/>
+          </a:fillRef>
+          <a:effectRef idx="0">
+            <a:schemeClr val="accent1"/>
+          </a:effectRef>
+          <a:fontRef idx="minor">
+            <a:schemeClr val="lt1"/>
+          </a:fontRef>
+        </p:style>
+        <p:txBody>
+          <a:bodyPr rtlCol="0" anchor="ctr"/>
+          <a:lstStyle/>
+          <a:p>
+            <a:pPr algn="ctr"/>
+            <a:endParaRPr lang="en-US"/>
+          </a:p>
+        </p:txBody>
+      </p:sp>
+      <p:sp>
+        <p:nvSpPr>
+          <p:cNvPr id="14" name="TextBox 13">
+            <a:extLst>
+              <a:ext uri="{FF2B5EF4-FFF2-40B4-BE49-F238E27FC236}">
+                <a16:creationId xmlns:a16="http://schemas.microsoft.com/office/drawing/2014/main" id="{5B480BC6-7EBA-CB95-6365-90A7B5FE2200}"/>
+              </a:ext>
+            </a:extLst>
+          </p:cNvPr>
+          <p:cNvSpPr txBox="1"/>
+          <p:nvPr/>
+        </p:nvSpPr>
+        <p:spPr>
+          <a:xfrm>
+            <a:off x="6032340" y="5095319"/>
+            <a:ext cx="532435" cy="369332"/>
+          </a:xfrm>
+          <a:prstGeom prst="rect">
+            <a:avLst/>
+          </a:prstGeom>
+          <a:solidFill>
+            <a:schemeClr val="bg1"/>
+          </a:solidFill>
+          <a:ln>
+            <a:solidFill>
+              <a:schemeClr val="bg1"/>
+            </a:solidFill>
+          </a:ln>
+        </p:spPr>
+        <p:txBody>
+          <a:bodyPr wrap="square" rtlCol="0">
+            <a:spAutoFit/>
+          </a:bodyPr>
+          <a:lstStyle/>
+          <a:p>
+            <a:pPr algn="ctr"/>
+            <a:r>
+              <a:rPr lang="en-US" b="1" dirty="0">
+                <a:latin typeface="Arial" panose="020B0604020202020204" pitchFamily="34" charset="0"/>
+                <a:cs typeface="Arial" panose="020B0604020202020204" pitchFamily="34" charset="0"/>
+              </a:rPr>
+              <a:t>A</a:t>
+            </a:r>
+          </a:p>
+        </p:txBody>
+      </p:sp>
+      <p:sp>
+        <p:nvSpPr>
+          <p:cNvPr id="15" name="TextBox 14">
+            <a:extLst>
+              <a:ext uri="{FF2B5EF4-FFF2-40B4-BE49-F238E27FC236}">
+                <a16:creationId xmlns:a16="http://schemas.microsoft.com/office/drawing/2014/main" id="{6545C34F-87D3-CBE0-1806-832021FBE35F}"/>
+              </a:ext>
+            </a:extLst>
+          </p:cNvPr>
+          <p:cNvSpPr txBox="1"/>
+          <p:nvPr/>
+        </p:nvSpPr>
+        <p:spPr>
+          <a:xfrm>
+            <a:off x="1423585" y="2872981"/>
+            <a:ext cx="532435" cy="369332"/>
+          </a:xfrm>
+          <a:prstGeom prst="rect">
+            <a:avLst/>
+          </a:prstGeom>
+          <a:solidFill>
+            <a:schemeClr val="bg1"/>
+          </a:solidFill>
+          <a:ln>
+            <a:solidFill>
+              <a:schemeClr val="bg1"/>
+            </a:solidFill>
+          </a:ln>
+        </p:spPr>
+        <p:txBody>
+          <a:bodyPr wrap="square" rtlCol="0">
+            <a:spAutoFit/>
+          </a:bodyPr>
+          <a:lstStyle/>
+          <a:p>
+            <a:pPr algn="ctr"/>
+            <a:r>
+              <a:rPr lang="en-US" b="1" dirty="0">
+                <a:latin typeface="Arial" panose="020B0604020202020204" pitchFamily="34" charset="0"/>
+                <a:cs typeface="Arial" panose="020B0604020202020204" pitchFamily="34" charset="0"/>
+              </a:rPr>
+              <a:t>B</a:t>
+            </a:r>
+          </a:p>
+        </p:txBody>
+      </p:sp>
+      <p:sp>
+        <p:nvSpPr>
+          <p:cNvPr id="2" name="Rectangle 1">
+            <a:extLst>
+              <a:ext uri="{FF2B5EF4-FFF2-40B4-BE49-F238E27FC236}">
+                <a16:creationId xmlns:a16="http://schemas.microsoft.com/office/drawing/2014/main" id="{5A3B41D5-95D0-2DD8-B58B-0BE0F2AF369A}"/>
+              </a:ext>
+            </a:extLst>
+          </p:cNvPr>
+          <p:cNvSpPr/>
+          <p:nvPr/>
+        </p:nvSpPr>
+        <p:spPr>
+          <a:xfrm>
+            <a:off x="4655917" y="501569"/>
+            <a:ext cx="692552" cy="555585"/>
+          </a:xfrm>
+          <a:prstGeom prst="rect">
+            <a:avLst/>
+          </a:prstGeom>
+          <a:solidFill>
+            <a:schemeClr val="bg1"/>
+          </a:solidFill>
+          <a:ln>
+            <a:solidFill>
+              <a:schemeClr val="bg1"/>
+            </a:solidFill>
+          </a:ln>
+        </p:spPr>
+        <p:style>
+          <a:lnRef idx="2">
+            <a:schemeClr val="accent1">
+              <a:shade val="15000"/>
+            </a:schemeClr>
+          </a:lnRef>
+          <a:fillRef idx="1">
+            <a:schemeClr val="accent1"/>
+          </a:fillRef>
+          <a:effectRef idx="0">
+            <a:schemeClr val="accent1"/>
+          </a:effectRef>
+          <a:fontRef idx="minor">
+            <a:schemeClr val="lt1"/>
+          </a:fontRef>
+        </p:style>
+        <p:txBody>
+          <a:bodyPr rtlCol="0" anchor="ctr"/>
+          <a:lstStyle/>
+          <a:p>
+            <a:pPr algn="ctr"/>
+            <a:endParaRPr lang="en-US"/>
+          </a:p>
+        </p:txBody>
+      </p:sp>
     </p:spTree>
     <p:extLst>
       <p:ext uri="{BB962C8B-B14F-4D97-AF65-F5344CB8AC3E}">
-        <p14:creationId xmlns:p14="http://schemas.microsoft.com/office/powerpoint/2010/main" val="369420925"/>
+        <p14:creationId xmlns:p14="http://schemas.microsoft.com/office/powerpoint/2010/main" val="2467797143"/>
       </p:ext>
     </p:extLst>
   </p:cSld>
@@ -5407,6 +5845,120 @@
           </a:p>
         </p:txBody>
       </p:sp>
+    </p:spTree>
+    <p:extLst>
+      <p:ext uri="{BB962C8B-B14F-4D97-AF65-F5344CB8AC3E}">
+        <p14:creationId xmlns:p14="http://schemas.microsoft.com/office/powerpoint/2010/main" val="369420925"/>
+      </p:ext>
+    </p:extLst>
+  </p:cSld>
+  <p:clrMapOvr>
+    <a:masterClrMapping/>
+  </p:clrMapOvr>
+</p:sld>
+</file>
+
+<file path=ppt/slides/slide8.xml><?xml version="1.0" encoding="utf-8"?>
+<p:sld xmlns:a="http://schemas.openxmlformats.org/drawingml/2006/main" xmlns:r="http://schemas.openxmlformats.org/officeDocument/2006/relationships" xmlns:p="http://schemas.openxmlformats.org/presentationml/2006/main">
+  <p:cSld>
+    <p:spTree>
+      <p:nvGrpSpPr>
+        <p:cNvPr id="1" name=""/>
+        <p:cNvGrpSpPr/>
+        <p:nvPr/>
+      </p:nvGrpSpPr>
+      <p:grpSpPr>
+        <a:xfrm>
+          <a:off x="0" y="0"/>
+          <a:ext cx="0" cy="0"/>
+          <a:chOff x="0" y="0"/>
+          <a:chExt cx="0" cy="0"/>
+        </a:xfrm>
+      </p:grpSpPr>
+      <p:pic>
+        <p:nvPicPr>
+          <p:cNvPr id="5" name="Picture 4" descr="A screenshot of a photo album&#10;&#10;Description automatically generated">
+            <a:extLst>
+              <a:ext uri="{FF2B5EF4-FFF2-40B4-BE49-F238E27FC236}">
+                <a16:creationId xmlns:a16="http://schemas.microsoft.com/office/drawing/2014/main" id="{05037DBF-364F-38DF-5CE2-1B8D6DA250EF}"/>
+              </a:ext>
+            </a:extLst>
+          </p:cNvPr>
+          <p:cNvPicPr>
+            <a:picLocks noChangeAspect="1"/>
+          </p:cNvPicPr>
+          <p:nvPr/>
+        </p:nvPicPr>
+        <p:blipFill>
+          <a:blip r:embed="rId2"/>
+          <a:stretch>
+            <a:fillRect/>
+          </a:stretch>
+        </p:blipFill>
+        <p:spPr>
+          <a:xfrm>
+            <a:off x="8918" y="0"/>
+            <a:ext cx="6822701" cy="6840538"/>
+          </a:xfrm>
+          <a:prstGeom prst="rect">
+            <a:avLst/>
+          </a:prstGeom>
+        </p:spPr>
+      </p:pic>
+      <p:sp>
+        <p:nvSpPr>
+          <p:cNvPr id="6" name="Rectangle 5">
+            <a:extLst>
+              <a:ext uri="{FF2B5EF4-FFF2-40B4-BE49-F238E27FC236}">
+                <a16:creationId xmlns:a16="http://schemas.microsoft.com/office/drawing/2014/main" id="{917A456D-BAF1-79AB-7E48-DF5A894F78D1}"/>
+              </a:ext>
+            </a:extLst>
+          </p:cNvPr>
+          <p:cNvSpPr/>
+          <p:nvPr/>
+        </p:nvSpPr>
+        <p:spPr>
+          <a:xfrm>
+            <a:off x="6010155" y="142754"/>
+            <a:ext cx="692552" cy="555585"/>
+          </a:xfrm>
+          <a:prstGeom prst="rect">
+            <a:avLst/>
+          </a:prstGeom>
+          <a:solidFill>
+            <a:schemeClr val="bg1"/>
+          </a:solidFill>
+          <a:ln>
+            <a:solidFill>
+              <a:schemeClr val="bg1"/>
+            </a:solidFill>
+          </a:ln>
+        </p:spPr>
+        <p:style>
+          <a:lnRef idx="2">
+            <a:schemeClr val="accent1">
+              <a:shade val="15000"/>
+            </a:schemeClr>
+          </a:lnRef>
+          <a:fillRef idx="1">
+            <a:schemeClr val="accent1"/>
+          </a:fillRef>
+          <a:effectRef idx="0">
+            <a:schemeClr val="accent1"/>
+          </a:effectRef>
+          <a:fontRef idx="minor">
+            <a:schemeClr val="lt1"/>
+          </a:fontRef>
+        </p:style>
+        <p:txBody>
+          <a:bodyPr rtlCol="0" anchor="ctr"/>
+          <a:lstStyle/>
+          <a:p>
+            <a:pPr algn="ctr"/>
+            <a:endParaRPr lang="en-US"/>
+          </a:p>
+        </p:txBody>
+      </p:sp>
       <p:sp>
         <p:nvSpPr>
           <p:cNvPr id="7" name="Rectangle 6">
@@ -5890,7 +6442,7 @@
 </p:sld>
 </file>
 
-<file path=ppt/slides/slide8.xml><?xml version="1.0" encoding="utf-8"?>
+<file path=ppt/slides/slide9.xml><?xml version="1.0" encoding="utf-8"?>
 <p:sld xmlns:a="http://schemas.openxmlformats.org/drawingml/2006/main" xmlns:r="http://schemas.openxmlformats.org/officeDocument/2006/relationships" xmlns:p="http://schemas.openxmlformats.org/presentationml/2006/main">
   <p:cSld>
     <p:spTree>
